--- a/JsonConverter/target/classes/OutputFolder/test.pptx
+++ b/JsonConverter/target/classes/OutputFolder/test.pptx
@@ -3060,6 +3060,81 @@
           <a:chExt cx="0" cy="0"/>
         </a:xfrm>
       </p:grpSpPr>
+      <p:sp xmlns:r="http://schemas.openxmlformats.org/officeDocument/2006/relationships">
+        <p:nvSpPr>
+          <p:cNvPr id="2" name="Title 1"/>
+          <p:cNvSpPr>
+            <a:spLocks noGrp="1"/>
+          </p:cNvSpPr>
+          <p:nvPr>
+            <p:ph type="title"/>
+          </p:nvPr>
+        </p:nvSpPr>
+        <p:spPr/>
+        <p:txBody>
+          <a:bodyPr/>
+          <a:lstStyle/>
+          <a:p>
+            <a:r>
+              <a:rPr lang="en-US" smtClean="0"/>
+              <a:t>Click to edit Master title style</a:t>
+            </a:r>
+            <a:endParaRPr lang="en-US"/>
+          </a:p>
+        </p:txBody>
+      </p:sp>
+      <p:sp xmlns:r="http://schemas.openxmlformats.org/officeDocument/2006/relationships">
+        <p:nvSpPr>
+          <p:cNvPr id="3" name="Content Placeholder 2"/>
+          <p:cNvSpPr>
+            <a:spLocks noGrp="1"/>
+          </p:cNvSpPr>
+          <p:nvPr>
+            <p:ph idx="1"/>
+          </p:nvPr>
+        </p:nvSpPr>
+        <p:spPr/>
+        <p:txBody>
+          <a:bodyPr/>
+          <a:lstStyle/>
+          <a:p>
+            <a:pPr lvl="0"/>
+            <a:r>
+              <a:rPr lang="en-US" smtClean="0"/>
+              <a:t>Click to edit Master text styles</a:t>
+            </a:r>
+          </a:p>
+          <a:p>
+            <a:pPr lvl="1"/>
+            <a:r>
+              <a:rPr lang="en-US" smtClean="0"/>
+              <a:t>Second level</a:t>
+            </a:r>
+          </a:p>
+          <a:p>
+            <a:pPr lvl="2"/>
+            <a:r>
+              <a:rPr lang="en-US" smtClean="0"/>
+              <a:t>Third level</a:t>
+            </a:r>
+          </a:p>
+          <a:p>
+            <a:pPr lvl="3"/>
+            <a:r>
+              <a:rPr lang="en-US" smtClean="0"/>
+              <a:t>Fourth level</a:t>
+            </a:r>
+          </a:p>
+          <a:p>
+            <a:pPr lvl="4"/>
+            <a:r>
+              <a:rPr lang="en-US" smtClean="0"/>
+              <a:t>Fifth level</a:t>
+            </a:r>
+            <a:endParaRPr lang="en-US"/>
+          </a:p>
+        </p:txBody>
+      </p:sp>
     </p:spTree>
   </p:cSld>
   <p:clrMapOvr>
@@ -3085,6 +3160,81 @@
           <a:chExt cx="0" cy="0"/>
         </a:xfrm>
       </p:grpSpPr>
+      <p:sp xmlns:r="http://schemas.openxmlformats.org/officeDocument/2006/relationships">
+        <p:nvSpPr>
+          <p:cNvPr id="2" name="Title 1"/>
+          <p:cNvSpPr>
+            <a:spLocks noGrp="1"/>
+          </p:cNvSpPr>
+          <p:nvPr>
+            <p:ph type="title"/>
+          </p:nvPr>
+        </p:nvSpPr>
+        <p:spPr/>
+        <p:txBody>
+          <a:bodyPr/>
+          <a:lstStyle/>
+          <a:p>
+            <a:r>
+              <a:rPr lang="en-US" smtClean="0"/>
+              <a:t>Click to edit Master title style</a:t>
+            </a:r>
+            <a:endParaRPr lang="en-US"/>
+          </a:p>
+        </p:txBody>
+      </p:sp>
+      <p:sp xmlns:r="http://schemas.openxmlformats.org/officeDocument/2006/relationships">
+        <p:nvSpPr>
+          <p:cNvPr id="3" name="Content Placeholder 2"/>
+          <p:cNvSpPr>
+            <a:spLocks noGrp="1"/>
+          </p:cNvSpPr>
+          <p:nvPr>
+            <p:ph idx="1"/>
+          </p:nvPr>
+        </p:nvSpPr>
+        <p:spPr/>
+        <p:txBody>
+          <a:bodyPr/>
+          <a:lstStyle/>
+          <a:p>
+            <a:pPr lvl="0"/>
+            <a:r>
+              <a:rPr lang="en-US" smtClean="0"/>
+              <a:t>Click to edit Master text styles</a:t>
+            </a:r>
+          </a:p>
+          <a:p>
+            <a:pPr lvl="1"/>
+            <a:r>
+              <a:rPr lang="en-US" smtClean="0"/>
+              <a:t>Second level</a:t>
+            </a:r>
+          </a:p>
+          <a:p>
+            <a:pPr lvl="2"/>
+            <a:r>
+              <a:rPr lang="en-US" smtClean="0"/>
+              <a:t>Third level</a:t>
+            </a:r>
+          </a:p>
+          <a:p>
+            <a:pPr lvl="3"/>
+            <a:r>
+              <a:rPr lang="en-US" smtClean="0"/>
+              <a:t>Fourth level</a:t>
+            </a:r>
+          </a:p>
+          <a:p>
+            <a:pPr lvl="4"/>
+            <a:r>
+              <a:rPr lang="en-US" smtClean="0"/>
+              <a:t>Fifth level</a:t>
+            </a:r>
+            <a:endParaRPr lang="en-US"/>
+          </a:p>
+        </p:txBody>
+      </p:sp>
     </p:spTree>
   </p:cSld>
   <p:clrMapOvr>

--- a/JsonConverter/target/classes/OutputFolder/test.pptx
+++ b/JsonConverter/target/classes/OutputFolder/test.pptx
@@ -3076,10 +3076,14 @@
           <a:lstStyle/>
           <a:p>
             <a:r>
-              <a:rPr lang="en-US" smtClean="0"/>
-              <a:t>Click to edit Master title style</a:t>
-            </a:r>
-            <a:endParaRPr lang="en-US"/>
+              <a:rPr lang="en-US" sz="2400">
+                <a:solidFill>
+                  <a:srgbClr val="000000"/>
+                </a:solidFill>
+                <a:latin typeface="Calibri"/>
+              </a:rPr>
+              <a:t>This is a title</a:t>
+            </a:r>
           </a:p>
         </p:txBody>
       </p:sp>
@@ -3098,40 +3102,15 @@
           <a:bodyPr/>
           <a:lstStyle/>
           <a:p>
-            <a:pPr lvl="0"/>
-            <a:r>
-              <a:rPr lang="en-US" smtClean="0"/>
-              <a:t>Click to edit Master text styles</a:t>
-            </a:r>
-          </a:p>
-          <a:p>
-            <a:pPr lvl="1"/>
-            <a:r>
-              <a:rPr lang="en-US" smtClean="0"/>
-              <a:t>Second level</a:t>
-            </a:r>
-          </a:p>
-          <a:p>
-            <a:pPr lvl="2"/>
-            <a:r>
-              <a:rPr lang="en-US" smtClean="0"/>
-              <a:t>Third level</a:t>
-            </a:r>
-          </a:p>
-          <a:p>
-            <a:pPr lvl="3"/>
-            <a:r>
-              <a:rPr lang="en-US" smtClean="0"/>
-              <a:t>Fourth level</a:t>
-            </a:r>
-          </a:p>
-          <a:p>
-            <a:pPr lvl="4"/>
-            <a:r>
-              <a:rPr lang="en-US" smtClean="0"/>
-              <a:t>Fifth level</a:t>
-            </a:r>
-            <a:endParaRPr lang="en-US"/>
+            <a:r>
+              <a:rPr lang="en-US" sz="1200">
+                <a:solidFill>
+                  <a:srgbClr val="000000"/>
+                </a:solidFill>
+                <a:latin typeface="Calibri"/>
+              </a:rPr>
+              <a:t>test</a:t>
+            </a:r>
           </a:p>
         </p:txBody>
       </p:sp>
@@ -3176,10 +3155,14 @@
           <a:lstStyle/>
           <a:p>
             <a:r>
-              <a:rPr lang="en-US" smtClean="0"/>
-              <a:t>Click to edit Master title style</a:t>
-            </a:r>
-            <a:endParaRPr lang="en-US"/>
+              <a:rPr lang="en-US" sz="1500">
+                <a:solidFill>
+                  <a:srgbClr val="000000"/>
+                </a:solidFill>
+                <a:latin typeface="Calibri"/>
+              </a:rPr>
+              <a:t>Yes</a:t>
+            </a:r>
           </a:p>
         </p:txBody>
       </p:sp>

--- a/JsonConverter/target/classes/OutputFolder/test.pptx
+++ b/JsonConverter/target/classes/OutputFolder/test.pptx
@@ -3076,11 +3076,10 @@
           <a:lstStyle/>
           <a:p>
             <a:r>
-              <a:rPr lang="en-US" sz="2400">
+              <a:rPr lang="en-US">
                 <a:solidFill>
                   <a:srgbClr val="000000"/>
                 </a:solidFill>
-                <a:latin typeface="Calibri"/>
               </a:rPr>
               <a:t>This is a title</a:t>
             </a:r>
@@ -3105,7 +3104,7 @@
             <a:r>
               <a:rPr lang="en-US" sz="1200">
                 <a:solidFill>
-                  <a:srgbClr val="000000"/>
+                  <a:srgbClr val="FF0000"/>
                 </a:solidFill>
                 <a:latin typeface="Calibri"/>
               </a:rPr>
@@ -3155,11 +3154,10 @@
           <a:lstStyle/>
           <a:p>
             <a:r>
-              <a:rPr lang="en-US" sz="1500">
+              <a:rPr lang="en-US">
                 <a:solidFill>
-                  <a:srgbClr val="000000"/>
+                  <a:srgbClr val="0000FF"/>
                 </a:solidFill>
-                <a:latin typeface="Calibri"/>
               </a:rPr>
               <a:t>Yes</a:t>
             </a:r>

--- a/JsonConverter/target/classes/OutputFolder/test.pptx
+++ b/JsonConverter/target/classes/OutputFolder/test.pptx
@@ -7,6 +7,7 @@
   <p:sldIdLst>
     <p:sldId id="256" r:id="rId6"/>
     <p:sldId id="257" r:id="rId7"/>
+    <p:sldId id="258" r:id="rId8"/>
   </p:sldIdLst>
   <p:sldSz cx="9144000" cy="6858000" type="screen4x3"/>
   <p:notesSz cx="6858000" cy="9144000"/>
@@ -3076,10 +3077,11 @@
           <a:lstStyle/>
           <a:p>
             <a:r>
-              <a:rPr lang="en-US">
+              <a:rPr lang="en-US" sz="2400" b="true" i="true" strike="noStrike" u="none">
                 <a:solidFill>
                   <a:srgbClr val="000000"/>
                 </a:solidFill>
+                <a:latin typeface="Calibri"/>
               </a:rPr>
               <a:t>This is a title</a:t>
             </a:r>
@@ -3102,13 +3104,14 @@
           <a:lstStyle/>
           <a:p>
             <a:r>
-              <a:rPr lang="en-US" sz="1200">
+              <a:rPr lang="en-US" sz="1200" b="false" i="false" strike="sngStrike" u="sng">
                 <a:solidFill>
                   <a:srgbClr val="FF0000"/>
                 </a:solidFill>
                 <a:latin typeface="Calibri"/>
               </a:rPr>
-              <a:t>test</a:t>
+              <a:t>test adihwaudhwahid Decorations 
+ Yes sir</a:t>
             </a:r>
           </a:p>
         </p:txBody>
@@ -3154,10 +3157,11 @@
           <a:lstStyle/>
           <a:p>
             <a:r>
-              <a:rPr lang="en-US">
+              <a:rPr lang="en-US" sz="4400" b="false" i="false" strike="noStrike" u="none">
                 <a:solidFill>
                   <a:srgbClr val="0000FF"/>
                 </a:solidFill>
+                <a:latin typeface="Calibri"/>
               </a:rPr>
               <a:t>Yes</a:t>
             </a:r>
@@ -3214,6 +3218,74 @@
             </a:r>
             <a:endParaRPr lang="en-US"/>
           </a:p>
+        </p:txBody>
+      </p:sp>
+    </p:spTree>
+  </p:cSld>
+  <p:clrMapOvr>
+    <a:masterClrMapping/>
+  </p:clrMapOvr>
+</p:sld>
+</file>
+
+<file path=ppt/slides/slide3.xml><?xml version="1.0" encoding="utf-8"?>
+<p:sld xmlns:p="http://schemas.openxmlformats.org/presentationml/2006/main" xmlns:a="http://schemas.openxmlformats.org/drawingml/2006/main">
+  <p:cSld>
+    <p:spTree>
+      <p:nvGrpSpPr>
+        <p:cNvPr id="1" name=""/>
+        <p:cNvGrpSpPr/>
+        <p:nvPr/>
+      </p:nvGrpSpPr>
+      <p:grpSpPr>
+        <a:xfrm>
+          <a:off x="0" y="0"/>
+          <a:ext cx="0" cy="0"/>
+          <a:chOff x="0" y="0"/>
+          <a:chExt cx="0" cy="0"/>
+        </a:xfrm>
+      </p:grpSpPr>
+      <p:sp xmlns:r="http://schemas.openxmlformats.org/officeDocument/2006/relationships">
+        <p:nvSpPr>
+          <p:cNvPr id="2" name="Title 1"/>
+          <p:cNvSpPr>
+            <a:spLocks noGrp="1"/>
+          </p:cNvSpPr>
+          <p:nvPr>
+            <p:ph type="title"/>
+          </p:nvPr>
+        </p:nvSpPr>
+        <p:spPr/>
+        <p:txBody>
+          <a:bodyPr/>
+          <a:lstStyle/>
+          <a:p>
+            <a:r>
+              <a:rPr lang="en-US" sz="2400" b="true" i="true" strike="noStrike" u="none">
+                <a:solidFill>
+                  <a:srgbClr val="000000"/>
+                </a:solidFill>
+                <a:latin typeface="Calibri"/>
+              </a:rPr>
+              <a:t>This is a List</a:t>
+            </a:r>
+          </a:p>
+        </p:txBody>
+      </p:sp>
+      <p:sp xmlns:r="http://schemas.openxmlformats.org/officeDocument/2006/relationships">
+        <p:nvSpPr>
+          <p:cNvPr id="3" name="Content Placeholder 2"/>
+          <p:cNvSpPr>
+            <a:spLocks noGrp="1"/>
+          </p:cNvSpPr>
+          <p:nvPr>
+            <p:ph idx="1"/>
+          </p:nvPr>
+        </p:nvSpPr>
+        <p:spPr/>
+        <p:txBody>
+          <a:bodyPr/>
+          <a:lstStyle/>
         </p:txBody>
       </p:sp>
     </p:spTree>

--- a/JsonConverter/target/classes/OutputFolder/test.pptx
+++ b/JsonConverter/target/classes/OutputFolder/test.pptx
@@ -7,6 +7,7 @@
   <p:sldIdLst>
     <p:sldId id="256" r:id="rId6"/>
     <p:sldId id="257" r:id="rId7"/>
+    <p:sldId id="258" r:id="rId8"/>
   </p:sldIdLst>
   <p:sldSz cx="9144000" cy="6858000" type="screen4x3"/>
   <p:notesSz cx="6858000" cy="9144000"/>
@@ -3076,10 +3077,11 @@
           <a:lstStyle/>
           <a:p>
             <a:r>
-              <a:rPr lang="en-US">
+              <a:rPr lang="en-US" sz="2400">
                 <a:solidFill>
                   <a:srgbClr val="000000"/>
                 </a:solidFill>
+                <a:latin typeface="Calibri"/>
               </a:rPr>
               <a:t>This is a title</a:t>
             </a:r>
@@ -3108,7 +3110,8 @@
                 </a:solidFill>
                 <a:latin typeface="Calibri"/>
               </a:rPr>
-              <a:t>test</a:t>
+              <a:t>test adihwaudhwahid Decorations 
+ Yes sir</a:t>
             </a:r>
           </a:p>
         </p:txBody>
@@ -3154,12 +3157,117 @@
           <a:lstStyle/>
           <a:p>
             <a:r>
-              <a:rPr lang="en-US">
+              <a:rPr lang="en-US" sz="4400">
                 <a:solidFill>
                   <a:srgbClr val="0000FF"/>
                 </a:solidFill>
+                <a:latin typeface="Calibri"/>
               </a:rPr>
               <a:t>Yes</a:t>
+            </a:r>
+          </a:p>
+        </p:txBody>
+      </p:sp>
+      <p:sp xmlns:r="http://schemas.openxmlformats.org/officeDocument/2006/relationships">
+        <p:nvSpPr>
+          <p:cNvPr id="3" name="Content Placeholder 2"/>
+          <p:cNvSpPr>
+            <a:spLocks noGrp="1"/>
+          </p:cNvSpPr>
+          <p:nvPr>
+            <p:ph idx="1"/>
+          </p:nvPr>
+        </p:nvSpPr>
+        <p:spPr/>
+        <p:txBody>
+          <a:bodyPr/>
+          <a:lstStyle/>
+          <a:p>
+            <a:pPr lvl="0"/>
+            <a:r>
+              <a:rPr lang="en-US" smtClean="0"/>
+              <a:t>Click to edit Master text styles</a:t>
+            </a:r>
+          </a:p>
+          <a:p>
+            <a:pPr lvl="1"/>
+            <a:r>
+              <a:rPr lang="en-US" smtClean="0"/>
+              <a:t>Second level</a:t>
+            </a:r>
+          </a:p>
+          <a:p>
+            <a:pPr lvl="2"/>
+            <a:r>
+              <a:rPr lang="en-US" smtClean="0"/>
+              <a:t>Third level</a:t>
+            </a:r>
+          </a:p>
+          <a:p>
+            <a:pPr lvl="3"/>
+            <a:r>
+              <a:rPr lang="en-US" smtClean="0"/>
+              <a:t>Fourth level</a:t>
+            </a:r>
+          </a:p>
+          <a:p>
+            <a:pPr lvl="4"/>
+            <a:r>
+              <a:rPr lang="en-US" smtClean="0"/>
+              <a:t>Fifth level</a:t>
+            </a:r>
+            <a:endParaRPr lang="en-US"/>
+          </a:p>
+        </p:txBody>
+      </p:sp>
+    </p:spTree>
+  </p:cSld>
+  <p:clrMapOvr>
+    <a:masterClrMapping/>
+  </p:clrMapOvr>
+</p:sld>
+</file>
+
+<file path=ppt/slides/slide3.xml><?xml version="1.0" encoding="utf-8"?>
+<p:sld xmlns:p="http://schemas.openxmlformats.org/presentationml/2006/main" xmlns:a="http://schemas.openxmlformats.org/drawingml/2006/main">
+  <p:cSld>
+    <p:spTree>
+      <p:nvGrpSpPr>
+        <p:cNvPr id="1" name=""/>
+        <p:cNvGrpSpPr/>
+        <p:nvPr/>
+      </p:nvGrpSpPr>
+      <p:grpSpPr>
+        <a:xfrm>
+          <a:off x="0" y="0"/>
+          <a:ext cx="0" cy="0"/>
+          <a:chOff x="0" y="0"/>
+          <a:chExt cx="0" cy="0"/>
+        </a:xfrm>
+      </p:grpSpPr>
+      <p:sp xmlns:r="http://schemas.openxmlformats.org/officeDocument/2006/relationships">
+        <p:nvSpPr>
+          <p:cNvPr id="2" name="Title 1"/>
+          <p:cNvSpPr>
+            <a:spLocks noGrp="1"/>
+          </p:cNvSpPr>
+          <p:nvPr>
+            <p:ph type="title"/>
+          </p:nvPr>
+        </p:nvSpPr>
+        <p:spPr/>
+        <p:txBody>
+          <a:bodyPr/>
+          <a:lstStyle/>
+          <a:p>
+            <a:r>
+              <a:rPr lang="en-US" sz="2400">
+                <a:solidFill>
+                  <a:srgbClr val="000000"/>
+                </a:solidFill>
+                <a:latin typeface="Calibri"/>
+              </a:rPr>
+              <a:t>This is a List</a:t>
             </a:r>
           </a:p>
         </p:txBody>

--- a/JsonConverter/target/classes/OutputFolder/test.pptx
+++ b/JsonConverter/target/classes/OutputFolder/test.pptx
@@ -3286,6 +3286,39 @@
         <p:txBody>
           <a:bodyPr/>
           <a:lstStyle/>
+          <a:p>
+            <a:r>
+              <a:rPr lang="en-US" sz="1600" b="false" i="false" strike="noStrike" u="none">
+                <a:solidFill>
+                  <a:srgbClr val="FF0000"/>
+                </a:solidFill>
+                <a:latin typeface="Calibri"/>
+              </a:rPr>
+              <a:t>R</a:t>
+            </a:r>
+          </a:p>
+          <a:p>
+            <a:r>
+              <a:rPr lang="en-US" sz="1600" b="false" i="false" strike="noStrike" u="none">
+                <a:solidFill>
+                  <a:srgbClr val="00FF00"/>
+                </a:solidFill>
+                <a:latin typeface="Calibri"/>
+              </a:rPr>
+              <a:t>G</a:t>
+            </a:r>
+          </a:p>
+          <a:p>
+            <a:r>
+              <a:rPr lang="en-US" sz="1600" b="false" i="false" strike="noStrike" u="none">
+                <a:solidFill>
+                  <a:srgbClr val="0000FF"/>
+                </a:solidFill>
+                <a:latin typeface="Calibri"/>
+              </a:rPr>
+              <a:t>B</a:t>
+            </a:r>
+          </a:p>
         </p:txBody>
       </p:sp>
     </p:spTree>

--- a/JsonConverter/target/classes/OutputFolder/test.pptx
+++ b/JsonConverter/target/classes/OutputFolder/test.pptx
@@ -3125,7 +3125,7 @@
 </file>
 
 <file path=ppt/slides/slide2.xml><?xml version="1.0" encoding="utf-8"?>
-<p:sld xmlns:p="http://schemas.openxmlformats.org/presentationml/2006/main" xmlns:a="http://schemas.openxmlformats.org/drawingml/2006/main">
+<p:sld xmlns:p="http://schemas.openxmlformats.org/presentationml/2006/main" xmlns:a="http://schemas.openxmlformats.org/drawingml/2006/main" xmlns:r="http://schemas.openxmlformats.org/officeDocument/2006/relationships">
   <p:cSld>
     <p:spTree>
       <p:nvGrpSpPr>
@@ -3141,7 +3141,7 @@
           <a:chExt cx="0" cy="0"/>
         </a:xfrm>
       </p:grpSpPr>
-      <p:sp xmlns:r="http://schemas.openxmlformats.org/officeDocument/2006/relationships">
+      <p:sp>
         <p:nvSpPr>
           <p:cNvPr id="2" name="Title 1"/>
           <p:cNvSpPr>
@@ -3168,7 +3168,7 @@
           </a:p>
         </p:txBody>
       </p:sp>
-      <p:sp xmlns:r="http://schemas.openxmlformats.org/officeDocument/2006/relationships">
+      <p:sp>
         <p:nvSpPr>
           <p:cNvPr id="3" name="Content Placeholder 2"/>
           <p:cNvSpPr>
@@ -3220,6 +3220,32 @@
           </a:p>
         </p:txBody>
       </p:sp>
+      <p:pic>
+        <p:nvPicPr>
+          <p:cNvPr name="Picture 3" id="4"/>
+          <p:cNvPicPr>
+            <a:picLocks noChangeAspect="true"/>
+          </p:cNvPicPr>
+          <p:nvPr>
+            <p:ph type="pic"/>
+          </p:nvPr>
+        </p:nvPicPr>
+        <p:blipFill>
+          <a:blip r:embed="rId2"/>
+          <a:stretch>
+            <a:fillRect/>
+          </a:stretch>
+        </p:blipFill>
+        <p:spPr>
+          <a:xfrm>
+            <a:off x="0" y="0"/>
+            <a:ext cx="6096000" cy="3429000"/>
+          </a:xfrm>
+          <a:prstGeom prst="rect">
+            <a:avLst/>
+          </a:prstGeom>
+        </p:spPr>
+      </p:pic>
     </p:spTree>
   </p:cSld>
   <p:clrMapOvr>

--- a/JsonConverter/target/classes/OutputFolder/test.pptx
+++ b/JsonConverter/target/classes/OutputFolder/test.pptx
@@ -3182,42 +3182,6 @@
         <p:txBody>
           <a:bodyPr/>
           <a:lstStyle/>
-          <a:p>
-            <a:pPr lvl="0"/>
-            <a:r>
-              <a:rPr lang="en-US" smtClean="0"/>
-              <a:t>Click to edit Master text styles</a:t>
-            </a:r>
-          </a:p>
-          <a:p>
-            <a:pPr lvl="1"/>
-            <a:r>
-              <a:rPr lang="en-US" smtClean="0"/>
-              <a:t>Second level</a:t>
-            </a:r>
-          </a:p>
-          <a:p>
-            <a:pPr lvl="2"/>
-            <a:r>
-              <a:rPr lang="en-US" smtClean="0"/>
-              <a:t>Third level</a:t>
-            </a:r>
-          </a:p>
-          <a:p>
-            <a:pPr lvl="3"/>
-            <a:r>
-              <a:rPr lang="en-US" smtClean="0"/>
-              <a:t>Fourth level</a:t>
-            </a:r>
-          </a:p>
-          <a:p>
-            <a:pPr lvl="4"/>
-            <a:r>
-              <a:rPr lang="en-US" smtClean="0"/>
-              <a:t>Fifth level</a:t>
-            </a:r>
-            <a:endParaRPr lang="en-US"/>
-          </a:p>
         </p:txBody>
       </p:sp>
       <p:pic>
@@ -3226,9 +3190,7 @@
           <p:cNvPicPr>
             <a:picLocks noChangeAspect="true"/>
           </p:cNvPicPr>
-          <p:nvPr>
-            <p:ph type="pic"/>
-          </p:nvPr>
+          <p:nvPr/>
         </p:nvPicPr>
         <p:blipFill>
           <a:blip r:embed="rId2"/>
@@ -3238,8 +3200,8 @@
         </p:blipFill>
         <p:spPr>
           <a:xfrm>
-            <a:off x="0" y="0"/>
-            <a:ext cx="6096000" cy="3429000"/>
+            <a:off x="3175000" y="3175000"/>
+            <a:ext cx="127000" cy="127000"/>
           </a:xfrm>
           <a:prstGeom prst="rect">
             <a:avLst/>

--- a/JsonConverter/target/classes/OutputFolder/test.pptx
+++ b/JsonConverter/target/classes/OutputFolder/test.pptx
@@ -3182,6 +3182,11 @@
         <p:txBody>
           <a:bodyPr/>
           <a:lstStyle/>
+          <a:p>
+            <a:r>
+              <a:rPr lang="en-US"/>
+            </a:r>
+          </a:p>
         </p:txBody>
       </p:sp>
       <p:pic>

--- a/JsonConverter/target/classes/OutputFolder/test.pptx
+++ b/JsonConverter/target/classes/OutputFolder/test.pptx
@@ -3185,6 +3185,7 @@
           <a:p>
             <a:r>
               <a:rPr lang="en-US"/>
+              <a:t/>
             </a:r>
           </a:p>
         </p:txBody>

--- a/JsonConverter/target/classes/OutputFolder/test.pptx
+++ b/JsonConverter/target/classes/OutputFolder/test.pptx
@@ -2604,8 +2604,8 @@
         </p:nvSpPr>
         <p:spPr>
           <a:xfrm>
-            <a:off x="457200" y="1600200"/>
-            <a:ext cx="8229600" cy="4525963"/>
+            <a:off x="0" y="0"/>
+            <a:ext cx="0" cy="0"/>
           </a:xfrm>
           <a:prstGeom prst="rect">
             <a:avLst/>
@@ -3206,8 +3206,8 @@
         </p:blipFill>
         <p:spPr>
           <a:xfrm>
-            <a:off x="3175000" y="3175000"/>
-            <a:ext cx="127000" cy="127000"/>
+            <a:off x="457200" y="1600200"/>
+            <a:ext cx="8229600" cy="4525963"/>
           </a:xfrm>
           <a:prstGeom prst="rect">
             <a:avLst/>

--- a/JsonConverter/target/classes/OutputFolder/test.pptx
+++ b/JsonConverter/target/classes/OutputFolder/test.pptx
@@ -2604,8 +2604,8 @@
         </p:nvSpPr>
         <p:spPr>
           <a:xfrm>
-            <a:off x="0" y="0"/>
-            <a:ext cx="0" cy="0"/>
+            <a:off x="457200" y="1600200"/>
+            <a:ext cx="8229600" cy="4525963"/>
           </a:xfrm>
           <a:prstGeom prst="rect">
             <a:avLst/>

--- a/JsonConverter/target/classes/OutputFolder/test.pptx
+++ b/JsonConverter/target/classes/OutputFolder/test.pptx
@@ -8,6 +8,7 @@
     <p:sldId id="256" r:id="rId6"/>
     <p:sldId id="257" r:id="rId7"/>
     <p:sldId id="258" r:id="rId8"/>
+    <p:sldId id="259" r:id="rId9"/>
   </p:sldIdLst>
   <p:sldSz cx="9144000" cy="6858000" type="screen4x3"/>
   <p:notesSz cx="6858000" cy="9144000"/>
@@ -3073,45 +3074,17 @@
         </p:nvSpPr>
         <p:spPr/>
         <p:txBody>
-          <a:bodyPr/>
-          <a:lstStyle/>
-          <a:p>
-            <a:r>
-              <a:rPr lang="en-US" sz="2400" b="true" i="true" strike="noStrike" u="none">
+          <a:bodyPr anchor="ctr"/>
+          <a:lstStyle/>
+          <a:p>
+            <a:r>
+              <a:rPr lang="en-US" sz="4400" b="false" i="false" strike="noStrike" u="none">
                 <a:solidFill>
-                  <a:srgbClr val="000000"/>
+                  <a:srgbClr val="FFC800"/>
                 </a:solidFill>
-                <a:latin typeface="Calibri"/>
+                <a:latin typeface="Algerian"/>
               </a:rPr>
-              <a:t>This is a title</a:t>
-            </a:r>
-          </a:p>
-        </p:txBody>
-      </p:sp>
-      <p:sp xmlns:r="http://schemas.openxmlformats.org/officeDocument/2006/relationships">
-        <p:nvSpPr>
-          <p:cNvPr id="3" name="Content Placeholder 2"/>
-          <p:cNvSpPr>
-            <a:spLocks noGrp="1"/>
-          </p:cNvSpPr>
-          <p:nvPr>
-            <p:ph idx="1"/>
-          </p:nvPr>
-        </p:nvSpPr>
-        <p:spPr/>
-        <p:txBody>
-          <a:bodyPr/>
-          <a:lstStyle/>
-          <a:p>
-            <a:r>
-              <a:rPr lang="en-US" sz="1200" b="false" i="false" strike="sngStrike" u="sng">
-                <a:solidFill>
-                  <a:srgbClr val="FF0000"/>
-                </a:solidFill>
-                <a:latin typeface="Calibri"/>
-              </a:rPr>
-              <a:t>test adihwaudhwahid Decorations 
- Yes sir</a:t>
+              <a:t>HELLO, THIS IS MY PRENSENTATION</a:t>
             </a:r>
           </a:p>
         </p:txBody>
@@ -3125,6 +3098,86 @@
 </file>
 
 <file path=ppt/slides/slide2.xml><?xml version="1.0" encoding="utf-8"?>
+<p:sld xmlns:p="http://schemas.openxmlformats.org/presentationml/2006/main" xmlns:a="http://schemas.openxmlformats.org/drawingml/2006/main">
+  <p:cSld>
+    <p:spTree>
+      <p:nvGrpSpPr>
+        <p:cNvPr id="1" name=""/>
+        <p:cNvGrpSpPr/>
+        <p:nvPr/>
+      </p:nvGrpSpPr>
+      <p:grpSpPr>
+        <a:xfrm>
+          <a:off x="0" y="0"/>
+          <a:ext cx="0" cy="0"/>
+          <a:chOff x="0" y="0"/>
+          <a:chExt cx="0" cy="0"/>
+        </a:xfrm>
+      </p:grpSpPr>
+      <p:sp xmlns:r="http://schemas.openxmlformats.org/officeDocument/2006/relationships">
+        <p:nvSpPr>
+          <p:cNvPr id="2" name="Title 1"/>
+          <p:cNvSpPr>
+            <a:spLocks noGrp="1"/>
+          </p:cNvSpPr>
+          <p:nvPr>
+            <p:ph type="title"/>
+          </p:nvPr>
+        </p:nvSpPr>
+        <p:spPr/>
+        <p:txBody>
+          <a:bodyPr/>
+          <a:lstStyle/>
+          <a:p>
+            <a:r>
+              <a:rPr lang="en-US" sz="2400" b="true" i="true" strike="noStrike" u="none">
+                <a:solidFill>
+                  <a:srgbClr val="000000"/>
+                </a:solidFill>
+                <a:latin typeface="Calibri"/>
+              </a:rPr>
+              <a:t>This is a title</a:t>
+            </a:r>
+          </a:p>
+        </p:txBody>
+      </p:sp>
+      <p:sp xmlns:r="http://schemas.openxmlformats.org/officeDocument/2006/relationships">
+        <p:nvSpPr>
+          <p:cNvPr id="3" name="Content Placeholder 2"/>
+          <p:cNvSpPr>
+            <a:spLocks noGrp="1"/>
+          </p:cNvSpPr>
+          <p:nvPr>
+            <p:ph idx="1"/>
+          </p:nvPr>
+        </p:nvSpPr>
+        <p:spPr/>
+        <p:txBody>
+          <a:bodyPr/>
+          <a:lstStyle/>
+          <a:p>
+            <a:r>
+              <a:rPr lang="en-US" sz="1200" b="false" i="false" strike="sngStrike" u="sng">
+                <a:solidFill>
+                  <a:srgbClr val="FF0000"/>
+                </a:solidFill>
+                <a:latin typeface="Calibri"/>
+              </a:rPr>
+              <a:t>test adihwaudhwahid Decorations 
+ Yes sir</a:t>
+            </a:r>
+          </a:p>
+        </p:txBody>
+      </p:sp>
+    </p:spTree>
+  </p:cSld>
+  <p:clrMapOvr>
+    <a:masterClrMapping/>
+  </p:clrMapOvr>
+</p:sld>
+</file>
+
+<file path=ppt/slides/slide3.xml><?xml version="1.0" encoding="utf-8"?>
 <p:sld xmlns:p="http://schemas.openxmlformats.org/presentationml/2006/main" xmlns:a="http://schemas.openxmlformats.org/drawingml/2006/main" xmlns:r="http://schemas.openxmlformats.org/officeDocument/2006/relationships">
   <p:cSld>
     <p:spTree>
@@ -3222,7 +3275,7 @@
 </p:sld>
 </file>
 
-<file path=ppt/slides/slide3.xml><?xml version="1.0" encoding="utf-8"?>
+<file path=ppt/slides/slide4.xml><?xml version="1.0" encoding="utf-8"?>
 <p:sld xmlns:p="http://schemas.openxmlformats.org/presentationml/2006/main" xmlns:a="http://schemas.openxmlformats.org/drawingml/2006/main">
   <p:cSld>
     <p:spTree>

--- a/JsonConverter/target/classes/OutputFolder/test.pptx
+++ b/JsonConverter/target/classes/OutputFolder/test.pptx
@@ -3074,7 +3074,7 @@
         </p:nvSpPr>
         <p:spPr/>
         <p:txBody>
-          <a:bodyPr anchor="ctr"/>
+          <a:bodyPr anchor="ctr" anchorCtr="true"/>
           <a:lstStyle/>
           <a:p>
             <a:r>

--- a/JsonConverter/target/classes/OutputFolder/test.pptx
+++ b/JsonConverter/target/classes/OutputFolder/test.pptx
@@ -3074,7 +3074,7 @@
         </p:nvSpPr>
         <p:spPr/>
         <p:txBody>
-          <a:bodyPr anchor="ctr" anchorCtr="true"/>
+          <a:bodyPr anchor="ctr"/>
           <a:lstStyle/>
           <a:p>
             <a:r>

--- a/JsonConverter/target/classes/OutputFolder/test.pptx
+++ b/JsonConverter/target/classes/OutputFolder/test.pptx
@@ -3074,13 +3074,13 @@
         </p:nvSpPr>
         <p:spPr/>
         <p:txBody>
-          <a:bodyPr anchor="ctr"/>
+          <a:bodyPr/>
           <a:lstStyle/>
           <a:p>
             <a:r>
               <a:rPr lang="en-US" sz="4400" b="false" i="false" strike="noStrike" u="none">
                 <a:solidFill>
-                  <a:srgbClr val="FFC800"/>
+                  <a:srgbClr val="000000"/>
                 </a:solidFill>
                 <a:latin typeface="Algerian"/>
               </a:rPr>

--- a/JsonConverter/target/classes/OutputFolder/test.pptx
+++ b/JsonConverter/target/classes/OutputFolder/test.pptx
@@ -3080,7 +3080,7 @@
             <a:r>
               <a:rPr lang="en-US" sz="4400" b="false" i="false" strike="noStrike" u="none">
                 <a:solidFill>
-                  <a:srgbClr val="000000"/>
+                  <a:srgbClr val="FFFFFF"/>
                 </a:solidFill>
                 <a:latin typeface="Algerian"/>
               </a:rPr>
@@ -3130,9 +3130,9 @@
           <a:lstStyle/>
           <a:p>
             <a:r>
-              <a:rPr lang="en-US" sz="2400" b="true" i="true" strike="noStrike" u="none">
-                <a:solidFill>
-                  <a:srgbClr val="000000"/>
+              <a:rPr lang="en-US" sz="2400" b="true" i="true" strike="sngStrike" u="sng">
+                <a:solidFill>
+                  <a:srgbClr val="C0C0C0"/>
                 </a:solidFill>
                 <a:latin typeface="Calibri"/>
               </a:rPr>
@@ -3157,14 +3157,13 @@
           <a:lstStyle/>
           <a:p>
             <a:r>
-              <a:rPr lang="en-US" sz="1200" b="false" i="false" strike="sngStrike" u="sng">
-                <a:solidFill>
-                  <a:srgbClr val="FF0000"/>
+              <a:rPr lang="en-US" sz="1200" b="false" i="true" strike="sngStrike" u="sng">
+                <a:solidFill>
+                  <a:srgbClr val="808080"/>
                 </a:solidFill>
                 <a:latin typeface="Calibri"/>
               </a:rPr>
-              <a:t>test adihwaudhwahid Decorations 
- Yes sir</a:t>
+              <a:t>test adihwaudhwahid Decorations</a:t>
             </a:r>
           </a:p>
         </p:txBody>
@@ -3364,6 +3363,127 @@
                 <a:latin typeface="Calibri"/>
               </a:rPr>
               <a:t>B</a:t>
+            </a:r>
+          </a:p>
+          <a:p>
+            <a:r>
+              <a:rPr lang="en-US" sz="1200" b="true" i="false" strike="sngStrike" u="sng">
+                <a:solidFill>
+                  <a:srgbClr val="404040"/>
+                </a:solidFill>
+                <a:latin typeface="Calibri"/>
+              </a:rPr>
+              <a:t>test adihwaudhwahid Decorations</a:t>
+            </a:r>
+          </a:p>
+          <a:p>
+            <a:r>
+              <a:rPr lang="en-US" sz="1200" b="true" i="true" strike="sngStrike" u="none">
+                <a:solidFill>
+                  <a:srgbClr val="000000"/>
+                </a:solidFill>
+                <a:latin typeface="Calibri"/>
+              </a:rPr>
+              <a:t>test adihwaudhwahid Decorations</a:t>
+            </a:r>
+          </a:p>
+          <a:p>
+            <a:r>
+              <a:rPr lang="en-US" sz="1200" b="true" i="true" strike="noStrike" u="sng">
+                <a:solidFill>
+                  <a:srgbClr val="FF0000"/>
+                </a:solidFill>
+                <a:latin typeface="Calibri"/>
+              </a:rPr>
+              <a:t>test adihwaudhwahid Decorations</a:t>
+            </a:r>
+          </a:p>
+          <a:p>
+            <a:r>
+              <a:rPr lang="en-US" sz="1200" b="false" i="false" strike="noStrike" u="none">
+                <a:solidFill>
+                  <a:srgbClr val="FFAFAF"/>
+                </a:solidFill>
+                <a:latin typeface="Calibri"/>
+              </a:rPr>
+              <a:t>test adihwaudhwahid Decorations</a:t>
+            </a:r>
+          </a:p>
+          <a:p>
+            <a:r>
+              <a:rPr lang="en-US" sz="1200" b="false" i="false" strike="sngStrike" u="none">
+                <a:solidFill>
+                  <a:srgbClr val="FFC800"/>
+                </a:solidFill>
+                <a:latin typeface="Calibri"/>
+              </a:rPr>
+              <a:t>test adihwaudhwahid Decorations</a:t>
+            </a:r>
+          </a:p>
+          <a:p>
+            <a:r>
+              <a:rPr lang="en-US" sz="1200" b="true" i="false" strike="noStrike" u="sng">
+                <a:solidFill>
+                  <a:srgbClr val="FFFF00"/>
+                </a:solidFill>
+                <a:latin typeface="Calibri"/>
+              </a:rPr>
+              <a:t>test adihwaudhwahid Decorations</a:t>
+            </a:r>
+          </a:p>
+          <a:p>
+            <a:r>
+              <a:rPr lang="en-US" sz="1200" b="true" i="false" strike="sngStrike" u="sng">
+                <a:solidFill>
+                  <a:srgbClr val="00FF00"/>
+                </a:solidFill>
+                <a:latin typeface="Calibri"/>
+              </a:rPr>
+              <a:t>test adihwaudhwahid Decorations</a:t>
+            </a:r>
+          </a:p>
+          <a:p>
+            <a:r>
+              <a:rPr lang="en-US" sz="1200" b="false" i="true" strike="noStrike" u="sng">
+                <a:solidFill>
+                  <a:srgbClr val="FF00FF"/>
+                </a:solidFill>
+                <a:latin typeface="Calibri"/>
+              </a:rPr>
+              <a:t>test adihwaudhwahid Decorations</a:t>
+            </a:r>
+          </a:p>
+          <a:p>
+            <a:r>
+              <a:rPr lang="en-US" sz="1200" b="true" i="false" strike="noStrike" u="none">
+                <a:solidFill>
+                  <a:srgbClr val="00FFFF"/>
+                </a:solidFill>
+                <a:latin typeface="Calibri"/>
+              </a:rPr>
+              <a:t>test adihwaudhwahid Decorations</a:t>
+            </a:r>
+          </a:p>
+          <a:p>
+            <a:r>
+              <a:rPr lang="en-US" sz="1200" b="false" i="false" strike="sngStrike" u="sng">
+                <a:solidFill>
+                  <a:srgbClr val="0000FF"/>
+                </a:solidFill>
+                <a:latin typeface="Calibri"/>
+              </a:rPr>
+              <a:t>test adihwaudhwahid Decorations</a:t>
+            </a:r>
+          </a:p>
+          <a:p>
+            <a:r>
+              <a:rPr lang="en-US" sz="1200" b="false" i="false" strike="sngStrike" u="sng">
+                <a:solidFill>
+                  <a:srgbClr val="000000"/>
+                </a:solidFill>
+                <a:latin typeface="Calibri"/>
+              </a:rPr>
+              <a:t>test adihwaudhwahid Decorations</a:t>
             </a:r>
           </a:p>
         </p:txBody>
